--- a/Final_slides/E9.pptx
+++ b/Final_slides/E9.pptx
@@ -112,6 +112,11 @@
       </a:defRPr>
     </a:lvl9pPr>
   </p:defaultTextStyle>
+  <p:extLst>
+    <p:ext uri="{EFAFB233-063F-42B5-8137-9DF3F51BA10A}">
+      <p15:sldGuideLst xmlns:p15="http://schemas.microsoft.com/office/powerpoint/2012/main"/>
+    </p:ext>
+  </p:extLst>
 </p:presentation>
 </file>
 
@@ -197,7 +202,7 @@
           <a:p>
             <a:fld id="{8A907B65-B4EC-4A4D-8B2D-EA39F6FD3562}" type="datetimeFigureOut">
               <a:rPr lang="en-GB" smtClean="0"/>
-              <a:t>01/01/2024</a:t>
+              <a:t>02/01/2024</a:t>
             </a:fld>
             <a:endParaRPr lang="en-GB"/>
           </a:p>
@@ -863,7 +868,7 @@
           <a:p>
             <a:fld id="{FC88C2ED-0DDA-48B0-A893-B757CBF31800}" type="datetimeFigureOut">
               <a:rPr lang="en-GB" smtClean="0"/>
-              <a:t>01/01/2024</a:t>
+              <a:t>02/01/2024</a:t>
             </a:fld>
             <a:endParaRPr lang="en-GB"/>
           </a:p>
@@ -1061,7 +1066,7 @@
           <a:p>
             <a:fld id="{FC88C2ED-0DDA-48B0-A893-B757CBF31800}" type="datetimeFigureOut">
               <a:rPr lang="en-GB" smtClean="0"/>
-              <a:t>01/01/2024</a:t>
+              <a:t>02/01/2024</a:t>
             </a:fld>
             <a:endParaRPr lang="en-GB"/>
           </a:p>
@@ -1269,7 +1274,7 @@
           <a:p>
             <a:fld id="{FC88C2ED-0DDA-48B0-A893-B757CBF31800}" type="datetimeFigureOut">
               <a:rPr lang="en-GB" smtClean="0"/>
-              <a:t>01/01/2024</a:t>
+              <a:t>02/01/2024</a:t>
             </a:fld>
             <a:endParaRPr lang="en-GB"/>
           </a:p>
@@ -1467,7 +1472,7 @@
           <a:p>
             <a:fld id="{FC88C2ED-0DDA-48B0-A893-B757CBF31800}" type="datetimeFigureOut">
               <a:rPr lang="en-GB" smtClean="0"/>
-              <a:t>01/01/2024</a:t>
+              <a:t>02/01/2024</a:t>
             </a:fld>
             <a:endParaRPr lang="en-GB"/>
           </a:p>
@@ -1742,7 +1747,7 @@
           <a:p>
             <a:fld id="{FC88C2ED-0DDA-48B0-A893-B757CBF31800}" type="datetimeFigureOut">
               <a:rPr lang="en-GB" smtClean="0"/>
-              <a:t>01/01/2024</a:t>
+              <a:t>02/01/2024</a:t>
             </a:fld>
             <a:endParaRPr lang="en-GB"/>
           </a:p>
@@ -2007,7 +2012,7 @@
           <a:p>
             <a:fld id="{FC88C2ED-0DDA-48B0-A893-B757CBF31800}" type="datetimeFigureOut">
               <a:rPr lang="en-GB" smtClean="0"/>
-              <a:t>01/01/2024</a:t>
+              <a:t>02/01/2024</a:t>
             </a:fld>
             <a:endParaRPr lang="en-GB"/>
           </a:p>
@@ -2419,7 +2424,7 @@
           <a:p>
             <a:fld id="{FC88C2ED-0DDA-48B0-A893-B757CBF31800}" type="datetimeFigureOut">
               <a:rPr lang="en-GB" smtClean="0"/>
-              <a:t>01/01/2024</a:t>
+              <a:t>02/01/2024</a:t>
             </a:fld>
             <a:endParaRPr lang="en-GB"/>
           </a:p>
@@ -2560,7 +2565,7 @@
           <a:p>
             <a:fld id="{FC88C2ED-0DDA-48B0-A893-B757CBF31800}" type="datetimeFigureOut">
               <a:rPr lang="en-GB" smtClean="0"/>
-              <a:t>01/01/2024</a:t>
+              <a:t>02/01/2024</a:t>
             </a:fld>
             <a:endParaRPr lang="en-GB"/>
           </a:p>
@@ -2673,7 +2678,7 @@
           <a:p>
             <a:fld id="{FC88C2ED-0DDA-48B0-A893-B757CBF31800}" type="datetimeFigureOut">
               <a:rPr lang="en-GB" smtClean="0"/>
-              <a:t>01/01/2024</a:t>
+              <a:t>02/01/2024</a:t>
             </a:fld>
             <a:endParaRPr lang="en-GB"/>
           </a:p>
@@ -2984,7 +2989,7 @@
           <a:p>
             <a:fld id="{FC88C2ED-0DDA-48B0-A893-B757CBF31800}" type="datetimeFigureOut">
               <a:rPr lang="en-GB" smtClean="0"/>
-              <a:t>01/01/2024</a:t>
+              <a:t>02/01/2024</a:t>
             </a:fld>
             <a:endParaRPr lang="en-GB"/>
           </a:p>
@@ -3272,7 +3277,7 @@
           <a:p>
             <a:fld id="{FC88C2ED-0DDA-48B0-A893-B757CBF31800}" type="datetimeFigureOut">
               <a:rPr lang="en-GB" smtClean="0"/>
-              <a:t>01/01/2024</a:t>
+              <a:t>02/01/2024</a:t>
             </a:fld>
             <a:endParaRPr lang="en-GB"/>
           </a:p>
@@ -3513,7 +3518,7 @@
           <a:p>
             <a:fld id="{FC88C2ED-0DDA-48B0-A893-B757CBF31800}" type="datetimeFigureOut">
               <a:rPr lang="en-GB" smtClean="0"/>
-              <a:t>01/01/2024</a:t>
+              <a:t>02/01/2024</a:t>
             </a:fld>
             <a:endParaRPr lang="en-GB"/>
           </a:p>
@@ -3953,7 +3958,7 @@
           <a:p>
             <a:r>
               <a:rPr lang="en-GB" dirty="0"/>
-              <a:t>Exercise 9</a:t>
+              <a:t>Exercise E9</a:t>
             </a:r>
           </a:p>
         </p:txBody>
@@ -4052,7 +4057,7 @@
                   <a:schemeClr val="bg1"/>
                 </a:solidFill>
               </a:rPr>
-              <a:t>Exercise 9</a:t>
+              <a:t>Exercise E9</a:t>
             </a:r>
           </a:p>
         </p:txBody>
@@ -4401,7 +4406,7 @@
                   <a:schemeClr val="bg1"/>
                 </a:solidFill>
               </a:rPr>
-              <a:t>Exercise 9</a:t>
+              <a:t>Exercise E9</a:t>
             </a:r>
           </a:p>
         </p:txBody>
@@ -4561,7 +4566,7 @@
                   <a:schemeClr val="bg1"/>
                 </a:solidFill>
               </a:rPr>
-              <a:t>Exercise 9</a:t>
+              <a:t>Exercise E9</a:t>
             </a:r>
           </a:p>
         </p:txBody>
@@ -4733,7 +4738,7 @@
           <a:p>
             <a:r>
               <a:rPr lang="en-GB" dirty="0"/>
-              <a:t>Exercise 9</a:t>
+              <a:t>Exercise E9</a:t>
             </a:r>
           </a:p>
         </p:txBody>
@@ -4855,7 +4860,7 @@
           <a:p>
             <a:r>
               <a:rPr lang="en-GB" dirty="0"/>
-              <a:t>Exercise 9a</a:t>
+              <a:t>Exercise E9a</a:t>
             </a:r>
           </a:p>
         </p:txBody>
